--- a/004_Node/lesson_31/Presentation/mysql.pptx
+++ b/004_Node/lesson_31/Presentation/mysql.pptx
@@ -197,7 +197,8 @@
           <a:p>
             <a:fld id="{979F38AC-FDA7-486B-9D0E-1B2B76763EDE}" type="datetimeFigureOut">
               <a:rPr lang="uk-UA" smtClean="0"/>
-              <a:t>18.08.2016</a:t>
+              <a:pPr/>
+              <a:t>18.09.2016</a:t>
             </a:fld>
             <a:endParaRPr lang="uk-UA"/>
           </a:p>
@@ -358,6 +359,7 @@
           <a:p>
             <a:fld id="{4E33C8AF-7AA5-4B27-876D-9D0CDE210F04}" type="slidenum">
               <a:rPr lang="uk-UA" smtClean="0"/>
+              <a:pPr/>
               <a:t>‹#›</a:t>
             </a:fld>
             <a:endParaRPr lang="uk-UA"/>
@@ -529,6 +531,7 @@
           <a:p>
             <a:fld id="{4E33C8AF-7AA5-4B27-876D-9D0CDE210F04}" type="slidenum">
               <a:rPr lang="uk-UA" smtClean="0"/>
+              <a:pPr/>
               <a:t>6</a:t>
             </a:fld>
             <a:endParaRPr lang="uk-UA"/>
@@ -1050,7 +1053,7 @@
     </p:spTree>
     <p:extLst>
       <p:ext uri="{BB962C8B-B14F-4D97-AF65-F5344CB8AC3E}">
-        <p14:creationId xmlns:p14="http://schemas.microsoft.com/office/powerpoint/2010/main" xmlns="" val="3537187278"/>
+        <p14:creationId xmlns="" xmlns:p14="http://schemas.microsoft.com/office/powerpoint/2010/main" val="3537187278"/>
       </p:ext>
     </p:extLst>
   </p:cSld>
@@ -1096,7 +1099,7 @@
           <a:blip r:embed="rId2" cstate="print">
             <a:extLst>
               <a:ext uri="{28A0092B-C50C-407E-A947-70E740481C1C}">
-                <a14:useLocalDpi xmlns:a14="http://schemas.microsoft.com/office/drawing/2010/main" xmlns="" val="0"/>
+                <a14:useLocalDpi xmlns="" xmlns:a14="http://schemas.microsoft.com/office/drawing/2010/main" val="0"/>
               </a:ext>
             </a:extLst>
           </a:blip>
@@ -1120,14 +1123,14 @@
           <a:effectLst/>
           <a:extLst>
             <a:ext uri="{909E8E84-426E-40DD-AFC4-6F175D3DCCD1}">
-              <a14:hiddenFill xmlns:a14="http://schemas.microsoft.com/office/drawing/2010/main" xmlns="">
+              <a14:hiddenFill xmlns="" xmlns:a14="http://schemas.microsoft.com/office/drawing/2010/main">
                 <a:solidFill>
                   <a:schemeClr val="accent1"/>
                 </a:solidFill>
               </a14:hiddenFill>
             </a:ext>
             <a:ext uri="{91240B29-F687-4F45-9708-019B960494DF}">
-              <a14:hiddenLine xmlns:a14="http://schemas.microsoft.com/office/drawing/2010/main" xmlns="" w="9525">
+              <a14:hiddenLine xmlns="" xmlns:a14="http://schemas.microsoft.com/office/drawing/2010/main" w="9525">
                 <a:solidFill>
                   <a:schemeClr val="tx1"/>
                 </a:solidFill>
@@ -1137,7 +1140,7 @@
               </a14:hiddenLine>
             </a:ext>
             <a:ext uri="{AF507438-7753-43E0-B8FC-AC1667EBCBE1}">
-              <a14:hiddenEffects xmlns:a14="http://schemas.microsoft.com/office/drawing/2010/main" xmlns="">
+              <a14:hiddenEffects xmlns="" xmlns:a14="http://schemas.microsoft.com/office/drawing/2010/main">
                 <a:effectLst>
                   <a:outerShdw dist="35921" dir="2700000" algn="ctr" rotWithShape="0">
                     <a:schemeClr val="bg2"/>
@@ -1278,7 +1281,7 @@
     </p:spTree>
     <p:extLst>
       <p:ext uri="{BB962C8B-B14F-4D97-AF65-F5344CB8AC3E}">
-        <p14:creationId xmlns:p14="http://schemas.microsoft.com/office/powerpoint/2010/main" xmlns="" val="2097366919"/>
+        <p14:creationId xmlns="" xmlns:p14="http://schemas.microsoft.com/office/powerpoint/2010/main" val="2097366919"/>
       </p:ext>
     </p:extLst>
   </p:cSld>
@@ -1802,7 +1805,7 @@
     </p:spTree>
     <p:extLst>
       <p:ext uri="{BB962C8B-B14F-4D97-AF65-F5344CB8AC3E}">
-        <p14:creationId xmlns:p14="http://schemas.microsoft.com/office/powerpoint/2010/main" xmlns="" val="3537187278"/>
+        <p14:creationId xmlns="" xmlns:p14="http://schemas.microsoft.com/office/powerpoint/2010/main" val="3537187278"/>
       </p:ext>
     </p:extLst>
   </p:cSld>
@@ -1848,7 +1851,7 @@
           <a:blip r:embed="rId2" cstate="print">
             <a:extLst>
               <a:ext uri="{28A0092B-C50C-407E-A947-70E740481C1C}">
-                <a14:useLocalDpi xmlns:a14="http://schemas.microsoft.com/office/drawing/2010/main" xmlns="" val="0"/>
+                <a14:useLocalDpi xmlns="" xmlns:a14="http://schemas.microsoft.com/office/drawing/2010/main" val="0"/>
               </a:ext>
             </a:extLst>
           </a:blip>
@@ -1872,14 +1875,14 @@
           <a:effectLst/>
           <a:extLst>
             <a:ext uri="{909E8E84-426E-40DD-AFC4-6F175D3DCCD1}">
-              <a14:hiddenFill xmlns:a14="http://schemas.microsoft.com/office/drawing/2010/main" xmlns="">
+              <a14:hiddenFill xmlns="" xmlns:a14="http://schemas.microsoft.com/office/drawing/2010/main">
                 <a:solidFill>
                   <a:schemeClr val="accent1"/>
                 </a:solidFill>
               </a14:hiddenFill>
             </a:ext>
             <a:ext uri="{91240B29-F687-4F45-9708-019B960494DF}">
-              <a14:hiddenLine xmlns:a14="http://schemas.microsoft.com/office/drawing/2010/main" xmlns="" w="9525">
+              <a14:hiddenLine xmlns="" xmlns:a14="http://schemas.microsoft.com/office/drawing/2010/main" w="9525">
                 <a:solidFill>
                   <a:schemeClr val="tx1"/>
                 </a:solidFill>
@@ -1889,7 +1892,7 @@
               </a14:hiddenLine>
             </a:ext>
             <a:ext uri="{AF507438-7753-43E0-B8FC-AC1667EBCBE1}">
-              <a14:hiddenEffects xmlns:a14="http://schemas.microsoft.com/office/drawing/2010/main" xmlns="">
+              <a14:hiddenEffects xmlns="" xmlns:a14="http://schemas.microsoft.com/office/drawing/2010/main">
                 <a:effectLst>
                   <a:outerShdw dist="35921" dir="2700000" algn="ctr" rotWithShape="0">
                     <a:schemeClr val="bg2"/>
@@ -2030,7 +2033,7 @@
     </p:spTree>
     <p:extLst>
       <p:ext uri="{BB962C8B-B14F-4D97-AF65-F5344CB8AC3E}">
-        <p14:creationId xmlns:p14="http://schemas.microsoft.com/office/powerpoint/2010/main" xmlns="" val="2097366919"/>
+        <p14:creationId xmlns="" xmlns:p14="http://schemas.microsoft.com/office/powerpoint/2010/main" val="2097366919"/>
       </p:ext>
     </p:extLst>
   </p:cSld>
@@ -2105,7 +2108,7 @@
     </p:spTree>
     <p:extLst>
       <p:ext uri="{BB962C8B-B14F-4D97-AF65-F5344CB8AC3E}">
-        <p14:creationId xmlns:p14="http://schemas.microsoft.com/office/powerpoint/2010/main" xmlns="" val="779007194"/>
+        <p14:creationId xmlns="" xmlns:p14="http://schemas.microsoft.com/office/powerpoint/2010/main" val="779007194"/>
       </p:ext>
     </p:extLst>
   </p:cSld>
@@ -2487,7 +2490,53 @@
       </p:sp>
       <p:sp>
         <p:nvSpPr>
-          <p:cNvPr id="6" name="Subtitle 2"/>
+          <p:cNvPr id="5" name="TextBox 4"/>
+          <p:cNvSpPr txBox="1"/>
+          <p:nvPr/>
+        </p:nvSpPr>
+        <p:spPr>
+          <a:xfrm>
+            <a:off x="976313" y="4217802"/>
+            <a:ext cx="6214744" cy="769441"/>
+          </a:xfrm>
+          <a:prstGeom prst="rect">
+            <a:avLst/>
+          </a:prstGeom>
+          <a:noFill/>
+        </p:spPr>
+        <p:txBody>
+          <a:bodyPr wrap="square" rtlCol="0">
+            <a:spAutoFit/>
+          </a:bodyPr>
+          <a:lstStyle/>
+          <a:p>
+            <a:r>
+              <a:rPr lang="ru-RU" sz="4400" dirty="0" smtClean="0">
+                <a:solidFill>
+                  <a:srgbClr val="7564BC"/>
+                </a:solidFill>
+                <a:latin typeface="Calibri" pitchFamily="34" charset="0"/>
+              </a:rPr>
+              <a:t>Работа с </a:t>
+            </a:r>
+            <a:r>
+              <a:rPr lang="en-US" sz="4400" dirty="0" err="1" smtClean="0">
+                <a:solidFill>
+                  <a:srgbClr val="7564BC"/>
+                </a:solidFill>
+                <a:latin typeface="Calibri" pitchFamily="34" charset="0"/>
+              </a:rPr>
+              <a:t>MySQL</a:t>
+            </a:r>
+            <a:endParaRPr lang="en-US" dirty="0">
+              <a:latin typeface="Calibri" pitchFamily="34" charset="0"/>
+            </a:endParaRPr>
+          </a:p>
+        </p:txBody>
+      </p:sp>
+      <p:sp>
+        <p:nvSpPr>
+          <p:cNvPr id="8" name="Subtitle 2"/>
           <p:cNvSpPr txBox="1">
             <a:spLocks/>
           </p:cNvSpPr>
@@ -2495,8 +2544,8 @@
         </p:nvSpPr>
         <p:spPr>
           <a:xfrm>
-            <a:off x="806449" y="1281006"/>
-            <a:ext cx="6322695" cy="507831"/>
+            <a:off x="1979712" y="2132856"/>
+            <a:ext cx="6322695" cy="584775"/>
           </a:xfrm>
           <a:prstGeom prst="rect">
             <a:avLst/>
@@ -2507,153 +2556,93 @@
             <a:spAutoFit/>
           </a:bodyPr>
           <a:lstStyle>
-            <a:lvl1pPr marL="0" indent="0" algn="l" defTabSz="914400" rtl="0" eaLnBrk="1" latinLnBrk="0" hangingPunct="1">
-              <a:spcBef>
-                <a:spcPct val="20000"/>
-              </a:spcBef>
-              <a:buFont typeface="Arial" pitchFamily="34" charset="0"/>
-              <a:buNone/>
-              <a:defRPr sz="3200" kern="1200">
+            <a:defPPr>
+              <a:defRPr lang="uk-UA"/>
+            </a:defPPr>
+            <a:lvl1pPr marL="0" algn="l" defTabSz="914400" rtl="0" eaLnBrk="1" latinLnBrk="0" hangingPunct="1">
+              <a:defRPr sz="1800" kern="1200">
                 <a:solidFill>
-                  <a:schemeClr val="tx1">
-                    <a:tint val="75000"/>
-                  </a:schemeClr>
+                  <a:schemeClr val="tx1"/>
                 </a:solidFill>
-                <a:latin typeface="+mj-lt"/>
+                <a:latin typeface="+mn-lt"/>
                 <a:ea typeface="+mn-ea"/>
                 <a:cs typeface="+mn-cs"/>
               </a:defRPr>
             </a:lvl1pPr>
-            <a:lvl2pPr marL="457200" indent="0" algn="ctr" defTabSz="914400" rtl="0" eaLnBrk="1" latinLnBrk="0" hangingPunct="1">
-              <a:spcBef>
-                <a:spcPct val="20000"/>
-              </a:spcBef>
-              <a:buFont typeface="Arial" pitchFamily="34" charset="0"/>
-              <a:buNone/>
-              <a:defRPr sz="2800" kern="1200">
+            <a:lvl2pPr marL="457200" algn="l" defTabSz="914400" rtl="0" eaLnBrk="1" latinLnBrk="0" hangingPunct="1">
+              <a:defRPr sz="1800" kern="1200">
                 <a:solidFill>
-                  <a:schemeClr val="tx1">
-                    <a:tint val="75000"/>
-                  </a:schemeClr>
+                  <a:schemeClr val="tx1"/>
                 </a:solidFill>
                 <a:latin typeface="+mn-lt"/>
                 <a:ea typeface="+mn-ea"/>
                 <a:cs typeface="+mn-cs"/>
               </a:defRPr>
             </a:lvl2pPr>
-            <a:lvl3pPr marL="914400" indent="0" algn="ctr" defTabSz="914400" rtl="0" eaLnBrk="1" latinLnBrk="0" hangingPunct="1">
-              <a:spcBef>
-                <a:spcPct val="20000"/>
-              </a:spcBef>
-              <a:buFont typeface="Arial" pitchFamily="34" charset="0"/>
-              <a:buNone/>
-              <a:defRPr sz="2400" kern="1200">
+            <a:lvl3pPr marL="914400" algn="l" defTabSz="914400" rtl="0" eaLnBrk="1" latinLnBrk="0" hangingPunct="1">
+              <a:defRPr sz="1800" kern="1200">
                 <a:solidFill>
-                  <a:schemeClr val="tx1">
-                    <a:tint val="75000"/>
-                  </a:schemeClr>
+                  <a:schemeClr val="tx1"/>
                 </a:solidFill>
                 <a:latin typeface="+mn-lt"/>
                 <a:ea typeface="+mn-ea"/>
                 <a:cs typeface="+mn-cs"/>
               </a:defRPr>
             </a:lvl3pPr>
-            <a:lvl4pPr marL="1371600" indent="0" algn="ctr" defTabSz="914400" rtl="0" eaLnBrk="1" latinLnBrk="0" hangingPunct="1">
-              <a:spcBef>
-                <a:spcPct val="20000"/>
-              </a:spcBef>
-              <a:buFont typeface="Arial" pitchFamily="34" charset="0"/>
-              <a:buNone/>
-              <a:defRPr sz="2000" kern="1200">
+            <a:lvl4pPr marL="1371600" algn="l" defTabSz="914400" rtl="0" eaLnBrk="1" latinLnBrk="0" hangingPunct="1">
+              <a:defRPr sz="1800" kern="1200">
                 <a:solidFill>
-                  <a:schemeClr val="tx1">
-                    <a:tint val="75000"/>
-                  </a:schemeClr>
+                  <a:schemeClr val="tx1"/>
                 </a:solidFill>
                 <a:latin typeface="+mn-lt"/>
                 <a:ea typeface="+mn-ea"/>
                 <a:cs typeface="+mn-cs"/>
               </a:defRPr>
             </a:lvl4pPr>
-            <a:lvl5pPr marL="1828800" indent="0" algn="ctr" defTabSz="914400" rtl="0" eaLnBrk="1" latinLnBrk="0" hangingPunct="1">
-              <a:spcBef>
-                <a:spcPct val="20000"/>
-              </a:spcBef>
-              <a:buFont typeface="Arial" pitchFamily="34" charset="0"/>
-              <a:buNone/>
-              <a:defRPr sz="2000" kern="1200">
+            <a:lvl5pPr marL="1828800" algn="l" defTabSz="914400" rtl="0" eaLnBrk="1" latinLnBrk="0" hangingPunct="1">
+              <a:defRPr sz="1800" kern="1200">
                 <a:solidFill>
-                  <a:schemeClr val="tx1">
-                    <a:tint val="75000"/>
-                  </a:schemeClr>
+                  <a:schemeClr val="tx1"/>
                 </a:solidFill>
                 <a:latin typeface="+mn-lt"/>
                 <a:ea typeface="+mn-ea"/>
                 <a:cs typeface="+mn-cs"/>
               </a:defRPr>
             </a:lvl5pPr>
-            <a:lvl6pPr marL="2286000" indent="0" algn="ctr" defTabSz="914400" rtl="0" eaLnBrk="1" latinLnBrk="0" hangingPunct="1">
-              <a:spcBef>
-                <a:spcPct val="20000"/>
-              </a:spcBef>
-              <a:buFont typeface="Arial" pitchFamily="34" charset="0"/>
-              <a:buNone/>
-              <a:defRPr sz="2000" kern="1200">
+            <a:lvl6pPr marL="2286000" algn="l" defTabSz="914400" rtl="0" eaLnBrk="1" latinLnBrk="0" hangingPunct="1">
+              <a:defRPr sz="1800" kern="1200">
                 <a:solidFill>
-                  <a:schemeClr val="tx1">
-                    <a:tint val="75000"/>
-                  </a:schemeClr>
+                  <a:schemeClr val="tx1"/>
                 </a:solidFill>
                 <a:latin typeface="+mn-lt"/>
                 <a:ea typeface="+mn-ea"/>
                 <a:cs typeface="+mn-cs"/>
               </a:defRPr>
             </a:lvl6pPr>
-            <a:lvl7pPr marL="2743200" indent="0" algn="ctr" defTabSz="914400" rtl="0" eaLnBrk="1" latinLnBrk="0" hangingPunct="1">
-              <a:spcBef>
-                <a:spcPct val="20000"/>
-              </a:spcBef>
-              <a:buFont typeface="Arial" pitchFamily="34" charset="0"/>
-              <a:buNone/>
-              <a:defRPr sz="2000" kern="1200">
+            <a:lvl7pPr marL="2743200" algn="l" defTabSz="914400" rtl="0" eaLnBrk="1" latinLnBrk="0" hangingPunct="1">
+              <a:defRPr sz="1800" kern="1200">
                 <a:solidFill>
-                  <a:schemeClr val="tx1">
-                    <a:tint val="75000"/>
-                  </a:schemeClr>
+                  <a:schemeClr val="tx1"/>
                 </a:solidFill>
                 <a:latin typeface="+mn-lt"/>
                 <a:ea typeface="+mn-ea"/>
                 <a:cs typeface="+mn-cs"/>
               </a:defRPr>
             </a:lvl7pPr>
-            <a:lvl8pPr marL="3200400" indent="0" algn="ctr" defTabSz="914400" rtl="0" eaLnBrk="1" latinLnBrk="0" hangingPunct="1">
-              <a:spcBef>
-                <a:spcPct val="20000"/>
-              </a:spcBef>
-              <a:buFont typeface="Arial" pitchFamily="34" charset="0"/>
-              <a:buNone/>
-              <a:defRPr sz="2000" kern="1200">
+            <a:lvl8pPr marL="3200400" algn="l" defTabSz="914400" rtl="0" eaLnBrk="1" latinLnBrk="0" hangingPunct="1">
+              <a:defRPr sz="1800" kern="1200">
                 <a:solidFill>
-                  <a:schemeClr val="tx1">
-                    <a:tint val="75000"/>
-                  </a:schemeClr>
+                  <a:schemeClr val="tx1"/>
                 </a:solidFill>
                 <a:latin typeface="+mn-lt"/>
                 <a:ea typeface="+mn-ea"/>
                 <a:cs typeface="+mn-cs"/>
               </a:defRPr>
             </a:lvl8pPr>
-            <a:lvl9pPr marL="3657600" indent="0" algn="ctr" defTabSz="914400" rtl="0" eaLnBrk="1" latinLnBrk="0" hangingPunct="1">
-              <a:spcBef>
-                <a:spcPct val="20000"/>
-              </a:spcBef>
-              <a:buFont typeface="Arial" pitchFamily="34" charset="0"/>
-              <a:buNone/>
-              <a:defRPr sz="2000" kern="1200">
+            <a:lvl9pPr marL="3657600" algn="l" defTabSz="914400" rtl="0" eaLnBrk="1" latinLnBrk="0" hangingPunct="1">
+              <a:defRPr sz="1800" kern="1200">
                 <a:solidFill>
-                  <a:schemeClr val="tx1">
-                    <a:tint val="75000"/>
-                  </a:schemeClr>
+                  <a:schemeClr val="tx1"/>
                 </a:solidFill>
                 <a:latin typeface="+mn-lt"/>
                 <a:ea typeface="+mn-ea"/>
@@ -2663,7 +2652,7 @@
           </a:lstStyle>
           <a:p>
             <a:r>
-              <a:rPr lang="en-US" sz="2700" dirty="0" smtClean="0">
+              <a:rPr lang="en-US" sz="3200" b="1" dirty="0" smtClean="0">
                 <a:solidFill>
                   <a:schemeClr val="tx1">
                     <a:lumMod val="90000"/>
@@ -2674,9 +2663,9 @@
                 <a:ea typeface="Roboto Light" panose="02000000000000000000" pitchFamily="2" charset="0"/>
                 <a:cs typeface="Roboto Light" panose="02000000000000000000" pitchFamily="2" charset="0"/>
               </a:rPr>
-              <a:t>The JavaScript Programming Language</a:t>
-            </a:r>
-            <a:endParaRPr lang="en-US" sz="2700" dirty="0">
+              <a:t>Node JS</a:t>
+            </a:r>
+            <a:endParaRPr lang="en-US" sz="3200" b="1" dirty="0">
               <a:solidFill>
                 <a:schemeClr val="tx1">
                   <a:lumMod val="90000"/>
@@ -2692,95 +2681,32 @@
       </p:sp>
       <p:pic>
         <p:nvPicPr>
-          <p:cNvPr id="1028" name="Picture 4" descr="C:\Users\Darick\Desktop\Mmww2.png"/>
+          <p:cNvPr id="9" name="Рисунок 8" descr="nodejs-logo.png"/>
           <p:cNvPicPr>
-            <a:picLocks noChangeAspect="1" noChangeArrowheads="1"/>
+            <a:picLocks noChangeAspect="1"/>
           </p:cNvPicPr>
           <p:nvPr/>
         </p:nvPicPr>
         <p:blipFill>
-          <a:blip r:embed="rId2" cstate="print">
-            <a:extLst>
-              <a:ext uri="{28A0092B-C50C-407E-A947-70E740481C1C}">
-                <a14:useLocalDpi xmlns:a14="http://schemas.microsoft.com/office/drawing/2010/main" xmlns="" val="0"/>
-              </a:ext>
-            </a:extLst>
-          </a:blip>
-          <a:srcRect/>
+          <a:blip r:embed="rId2" cstate="print"/>
           <a:stretch>
             <a:fillRect/>
           </a:stretch>
         </p:blipFill>
-        <p:spPr bwMode="auto">
+        <p:spPr>
           <a:xfrm>
-            <a:off x="1" y="698501"/>
-            <a:ext cx="809625" cy="1079500"/>
+            <a:off x="827584" y="1844824"/>
+            <a:ext cx="1152128" cy="1152128"/>
           </a:xfrm>
           <a:prstGeom prst="rect">
             <a:avLst/>
           </a:prstGeom>
-          <a:noFill/>
-          <a:extLst>
-            <a:ext uri="{909E8E84-426E-40DD-AFC4-6F175D3DCCD1}">
-              <a14:hiddenFill xmlns:a14="http://schemas.microsoft.com/office/drawing/2010/main" xmlns="">
-                <a:solidFill>
-                  <a:srgbClr val="FFFFFF"/>
-                </a:solidFill>
-              </a14:hiddenFill>
-            </a:ext>
-          </a:extLst>
         </p:spPr>
       </p:pic>
-      <p:sp>
-        <p:nvSpPr>
-          <p:cNvPr id="5" name="TextBox 4"/>
-          <p:cNvSpPr txBox="1"/>
-          <p:nvPr/>
-        </p:nvSpPr>
-        <p:spPr>
-          <a:xfrm>
-            <a:off x="976313" y="4217802"/>
-            <a:ext cx="6214744" cy="769441"/>
-          </a:xfrm>
-          <a:prstGeom prst="rect">
-            <a:avLst/>
-          </a:prstGeom>
-          <a:noFill/>
-        </p:spPr>
-        <p:txBody>
-          <a:bodyPr wrap="square" rtlCol="0">
-            <a:spAutoFit/>
-          </a:bodyPr>
-          <a:lstStyle/>
-          <a:p>
-            <a:r>
-              <a:rPr lang="ru-RU" sz="4400" dirty="0" smtClean="0">
-                <a:solidFill>
-                  <a:srgbClr val="7564BC"/>
-                </a:solidFill>
-                <a:latin typeface="Calibri" pitchFamily="34" charset="0"/>
-              </a:rPr>
-              <a:t>Работа с </a:t>
-            </a:r>
-            <a:r>
-              <a:rPr lang="en-US" sz="4400" dirty="0" err="1" smtClean="0">
-                <a:solidFill>
-                  <a:srgbClr val="7564BC"/>
-                </a:solidFill>
-                <a:latin typeface="Calibri" pitchFamily="34" charset="0"/>
-              </a:rPr>
-              <a:t>MySQL</a:t>
-            </a:r>
-            <a:endParaRPr lang="en-US" dirty="0">
-              <a:latin typeface="Calibri" pitchFamily="34" charset="0"/>
-            </a:endParaRPr>
-          </a:p>
-        </p:txBody>
-      </p:sp>
     </p:spTree>
     <p:extLst>
       <p:ext uri="{BB962C8B-B14F-4D97-AF65-F5344CB8AC3E}">
-        <p14:creationId xmlns:p14="http://schemas.microsoft.com/office/powerpoint/2010/main" xmlns="" val="3436223543"/>
+        <p14:creationId xmlns="" xmlns:p14="http://schemas.microsoft.com/office/powerpoint/2010/main" val="3436223543"/>
       </p:ext>
     </p:extLst>
   </p:cSld>
@@ -2896,61 +2822,43 @@
               <a:rPr lang="ru-RU" dirty="0" smtClean="0">
                 <a:latin typeface="Calibri" pitchFamily="34" charset="0"/>
               </a:rPr>
-              <a:t> </a:t>
+              <a:t> (</a:t>
+            </a:r>
+            <a:r>
+              <a:rPr lang="ru-RU" i="1" dirty="0" err="1" smtClean="0">
+                <a:latin typeface="Calibri" pitchFamily="34" charset="0"/>
+              </a:rPr>
+              <a:t>structured</a:t>
+            </a:r>
+            <a:r>
+              <a:rPr lang="ru-RU" i="1" dirty="0" smtClean="0">
+                <a:latin typeface="Calibri" pitchFamily="34" charset="0"/>
+              </a:rPr>
+              <a:t> </a:t>
+            </a:r>
+            <a:r>
+              <a:rPr lang="ru-RU" i="1" dirty="0" err="1" smtClean="0">
+                <a:latin typeface="Calibri" pitchFamily="34" charset="0"/>
+              </a:rPr>
+              <a:t>query</a:t>
+            </a:r>
+            <a:r>
+              <a:rPr lang="ru-RU" i="1" dirty="0" smtClean="0">
+                <a:latin typeface="Calibri" pitchFamily="34" charset="0"/>
+              </a:rPr>
+              <a:t> </a:t>
+            </a:r>
+            <a:r>
+              <a:rPr lang="ru-RU" i="1" dirty="0" err="1" smtClean="0">
+                <a:latin typeface="Calibri" pitchFamily="34" charset="0"/>
+              </a:rPr>
+              <a:t>language</a:t>
             </a:r>
             <a:r>
               <a:rPr lang="ru-RU" dirty="0" smtClean="0">
                 <a:latin typeface="Calibri" pitchFamily="34" charset="0"/>
               </a:rPr>
-              <a:t>(</a:t>
-            </a:r>
-            <a:r>
-              <a:rPr lang="ru-RU" i="1" dirty="0" err="1" smtClean="0">
-                <a:latin typeface="Calibri" pitchFamily="34" charset="0"/>
-              </a:rPr>
-              <a:t>structured</a:t>
-            </a:r>
-            <a:r>
-              <a:rPr lang="ru-RU" i="1" dirty="0" smtClean="0">
-                <a:latin typeface="Calibri" pitchFamily="34" charset="0"/>
-              </a:rPr>
-              <a:t> </a:t>
-            </a:r>
-            <a:r>
-              <a:rPr lang="ru-RU" i="1" dirty="0" err="1" smtClean="0">
-                <a:latin typeface="Calibri" pitchFamily="34" charset="0"/>
-              </a:rPr>
-              <a:t>query</a:t>
-            </a:r>
-            <a:r>
-              <a:rPr lang="ru-RU" i="1" dirty="0" smtClean="0">
-                <a:latin typeface="Calibri" pitchFamily="34" charset="0"/>
-              </a:rPr>
-              <a:t> </a:t>
-            </a:r>
-            <a:r>
-              <a:rPr lang="ru-RU" i="1" dirty="0" err="1" smtClean="0">
-                <a:latin typeface="Calibri" pitchFamily="34" charset="0"/>
-              </a:rPr>
-              <a:t>language</a:t>
-            </a:r>
-            <a:r>
-              <a:rPr lang="ru-RU" dirty="0" smtClean="0">
-                <a:latin typeface="Calibri" pitchFamily="34" charset="0"/>
-              </a:rPr>
-              <a:t> — «язык структурированных запросов») </a:t>
-            </a:r>
-            <a:r>
-              <a:rPr lang="ru-RU" dirty="0" smtClean="0">
-                <a:latin typeface="Calibri" pitchFamily="34" charset="0"/>
-              </a:rPr>
-              <a:t>—формальный</a:t>
-            </a:r>
-            <a:r>
-              <a:rPr lang="ru-RU" dirty="0" smtClean="0">
-                <a:latin typeface="Calibri" pitchFamily="34" charset="0"/>
-              </a:rPr>
-              <a:t> непроцедурный язык программирования, применяемый для создания, модификации и управления данными в произвольной реляционной базе данных, управляемой соответствующей системой управления базами данных (СУБД). </a:t>
+              <a:t> — «язык структурированных запросов») —формальный непроцедурный язык программирования, применяемый для создания, модификации и управления данными в произвольной реляционной базе данных, управляемой соответствующей системой управления базами данных (СУБД). </a:t>
             </a:r>
             <a:endParaRPr lang="uk-UA" dirty="0">
               <a:latin typeface="Calibri" pitchFamily="34" charset="0"/>
@@ -3041,13 +2949,7 @@
               <a:rPr lang="ru-RU" dirty="0" smtClean="0">
                 <a:latin typeface="Calibri" pitchFamily="34" charset="0"/>
               </a:rPr>
-              <a:t>Кроме </a:t>
-            </a:r>
-            <a:r>
-              <a:rPr lang="ru-RU" dirty="0" smtClean="0">
-                <a:latin typeface="Calibri" pitchFamily="34" charset="0"/>
-              </a:rPr>
-              <a:t>того, это достаточно быстрая, надежная и, главное, простая в использовании СУБД, вполне подходящая для не слишком глобальных проектов.</a:t>
+              <a:t>Кроме того, это достаточно быстрая, надежная и, главное, простая в использовании СУБД, вполне подходящая для не слишком глобальных проектов.</a:t>
             </a:r>
             <a:endParaRPr lang="uk-UA" dirty="0">
               <a:latin typeface="Calibri" pitchFamily="34" charset="0"/>
@@ -3750,13 +3652,7 @@
               <a:rPr lang="en-US" dirty="0" err="1" smtClean="0">
                 <a:latin typeface="Calibri" pitchFamily="34" charset="0"/>
               </a:rPr>
-              <a:t>c</a:t>
-            </a:r>
-            <a:r>
-              <a:rPr lang="en-US" dirty="0" err="1" smtClean="0">
-                <a:latin typeface="Calibri" pitchFamily="34" charset="0"/>
-              </a:rPr>
-              <a:t>onnection.connect</a:t>
+              <a:t>connection.connect</a:t>
             </a:r>
             <a:r>
               <a:rPr lang="en-US" dirty="0" smtClean="0">
@@ -4364,13 +4260,7 @@
               <a:rPr lang="en-US" dirty="0" smtClean="0">
                 <a:latin typeface="Calibri" pitchFamily="34" charset="0"/>
               </a:rPr>
-              <a:t>function </a:t>
-            </a:r>
-            <a:r>
-              <a:rPr lang="en-US" dirty="0" smtClean="0">
-                <a:latin typeface="Calibri" pitchFamily="34" charset="0"/>
-              </a:rPr>
-              <a:t>(error, results, fields) {</a:t>
+              <a:t>function (error, results, fields) {</a:t>
             </a:r>
           </a:p>
           <a:p>
@@ -4593,13 +4483,7 @@
               <a:rPr lang="en-US" dirty="0" smtClean="0">
                 <a:latin typeface="Calibri" pitchFamily="34" charset="0"/>
               </a:rPr>
-              <a:t>function(err</a:t>
-            </a:r>
-            <a:r>
-              <a:rPr lang="en-US" dirty="0" smtClean="0">
-                <a:latin typeface="Calibri" pitchFamily="34" charset="0"/>
-              </a:rPr>
-              <a:t>, results) {</a:t>
+              <a:t>function(err, results) {</a:t>
             </a:r>
           </a:p>
           <a:p>
